--- a/Projet 2 - donnees nutritionnelles/Presentation-Projet_2.pptx
+++ b/Projet 2 - donnees nutritionnelles/Presentation-Projet_2.pptx
@@ -10475,7 +10475,9 @@
           </a:xfrm>
         </p:spPr>
         <p:txBody>
-          <a:bodyPr/>
+          <a:bodyPr>
+            <a:normAutofit fontScale="62500" lnSpcReduction="20000"/>
+          </a:bodyPr>
           <a:lstStyle/>
           <a:p>
             <a:r>
@@ -10543,6 +10545,174 @@
               </a:rPr>
               <a:t>Ajouter les apports journaliers</a:t>
             </a:r>
+          </a:p>
+          <a:p>
+            <a:pPr lvl="1"/>
+            <a:endParaRPr lang="fr-FR" dirty="0" smtClean="0">
+              <a:solidFill>
+                <a:srgbClr val="E8750C"/>
+              </a:solidFill>
+            </a:endParaRPr>
+          </a:p>
+          <a:p>
+            <a:r>
+              <a:rPr lang="fr-FR" dirty="0" smtClean="0">
+                <a:solidFill>
+                  <a:srgbClr val="E8750C"/>
+                </a:solidFill>
+              </a:rPr>
+              <a:t>Synthèse</a:t>
+            </a:r>
+          </a:p>
+          <a:p>
+            <a:pPr lvl="1"/>
+            <a:r>
+              <a:rPr lang="fr-FR" dirty="0" smtClean="0">
+                <a:solidFill>
+                  <a:srgbClr val="E8750C"/>
+                </a:solidFill>
+              </a:rPr>
+              <a:t>Energie lié à la graisse (privilégier </a:t>
+            </a:r>
+            <a:r>
+              <a:rPr lang="fr-FR" dirty="0" err="1" smtClean="0">
+                <a:solidFill>
+                  <a:srgbClr val="E8750C"/>
+                </a:solidFill>
+              </a:rPr>
+              <a:t>unstaurated</a:t>
+            </a:r>
+            <a:r>
+              <a:rPr lang="fr-FR" dirty="0" smtClean="0">
+                <a:solidFill>
+                  <a:srgbClr val="E8750C"/>
+                </a:solidFill>
+              </a:rPr>
+              <a:t> fats)</a:t>
+            </a:r>
+          </a:p>
+          <a:p>
+            <a:pPr lvl="1"/>
+            <a:r>
+              <a:rPr lang="fr-FR" dirty="0" smtClean="0">
+                <a:solidFill>
+                  <a:srgbClr val="E8750C"/>
+                </a:solidFill>
+              </a:rPr>
+              <a:t>Produit naturels (peu d’additifs, allergènes, avec labels)</a:t>
+            </a:r>
+          </a:p>
+          <a:p>
+            <a:pPr lvl="1"/>
+            <a:r>
+              <a:rPr lang="fr-FR" dirty="0" smtClean="0">
+                <a:solidFill>
+                  <a:srgbClr val="E8750C"/>
+                </a:solidFill>
+              </a:rPr>
+              <a:t>Privilégier fruits</a:t>
+            </a:r>
+            <a:r>
+              <a:rPr lang="fr-FR" dirty="0">
+                <a:solidFill>
+                  <a:srgbClr val="E8750C"/>
+                </a:solidFill>
+              </a:rPr>
+              <a:t>, légumes, œufs, </a:t>
+            </a:r>
+            <a:r>
+              <a:rPr lang="fr-FR" dirty="0" smtClean="0">
+                <a:solidFill>
+                  <a:srgbClr val="E8750C"/>
+                </a:solidFill>
+              </a:rPr>
+              <a:t>céréales</a:t>
+            </a:r>
+          </a:p>
+          <a:p>
+            <a:pPr lvl="1"/>
+            <a:r>
+              <a:rPr lang="fr-FR" dirty="0" smtClean="0">
+                <a:solidFill>
+                  <a:srgbClr val="E8750C"/>
+                </a:solidFill>
+              </a:rPr>
+              <a:t>Éviter sucres ajoutés, </a:t>
+            </a:r>
+            <a:r>
+              <a:rPr lang="fr-FR" dirty="0" err="1" smtClean="0">
+                <a:solidFill>
+                  <a:srgbClr val="E8750C"/>
+                </a:solidFill>
+              </a:rPr>
+              <a:t>gateaux</a:t>
+            </a:r>
+            <a:r>
+              <a:rPr lang="fr-FR" dirty="0">
+                <a:solidFill>
+                  <a:srgbClr val="E8750C"/>
+                </a:solidFill>
+              </a:rPr>
+              <a:t>, </a:t>
+            </a:r>
+            <a:r>
+              <a:rPr lang="fr-FR" dirty="0" smtClean="0">
+                <a:solidFill>
+                  <a:srgbClr val="E8750C"/>
+                </a:solidFill>
+              </a:rPr>
+              <a:t>sodas, fromages</a:t>
+            </a:r>
+          </a:p>
+          <a:p>
+            <a:pPr lvl="1"/>
+            <a:r>
+              <a:rPr lang="fr-FR" dirty="0" smtClean="0">
+                <a:solidFill>
+                  <a:srgbClr val="E8750C"/>
+                </a:solidFill>
+              </a:rPr>
+              <a:t>Peu d’infos sur les vitamines</a:t>
+            </a:r>
+          </a:p>
+          <a:p>
+            <a:pPr lvl="1"/>
+            <a:endParaRPr lang="fr-FR" dirty="0" smtClean="0">
+              <a:solidFill>
+                <a:srgbClr val="E8750C"/>
+              </a:solidFill>
+            </a:endParaRPr>
+          </a:p>
+          <a:p>
+            <a:pPr lvl="1"/>
+            <a:endParaRPr lang="fr-FR" dirty="0" smtClean="0">
+              <a:solidFill>
+                <a:srgbClr val="E8750C"/>
+              </a:solidFill>
+            </a:endParaRPr>
+          </a:p>
+          <a:p>
+            <a:pPr lvl="1"/>
+            <a:endParaRPr lang="fr-FR" dirty="0" smtClean="0">
+              <a:solidFill>
+                <a:srgbClr val="E8750C"/>
+              </a:solidFill>
+            </a:endParaRPr>
+          </a:p>
+          <a:p>
+            <a:pPr lvl="1"/>
+            <a:endParaRPr lang="fr-FR" dirty="0" smtClean="0">
+              <a:solidFill>
+                <a:srgbClr val="E8750C"/>
+              </a:solidFill>
+            </a:endParaRPr>
+          </a:p>
+          <a:p>
+            <a:endParaRPr lang="fr-FR" dirty="0" smtClean="0">
+              <a:solidFill>
+                <a:srgbClr val="E8750C"/>
+              </a:solidFill>
+            </a:endParaRPr>
           </a:p>
         </p:txBody>
       </p:sp>
@@ -11264,12 +11434,12 @@
               <a:t>Nettoyage des données </a:t>
             </a:r>
             <a:r>
-              <a:rPr lang="fr-FR" dirty="0" err="1" smtClean="0">
-                <a:solidFill>
-                  <a:srgbClr val="E8750C"/>
-                </a:solidFill>
-              </a:rPr>
-              <a:t>abérantes</a:t>
+              <a:rPr lang="fr-FR" dirty="0" smtClean="0">
+                <a:solidFill>
+                  <a:srgbClr val="E8750C"/>
+                </a:solidFill>
+              </a:rPr>
+              <a:t>aberrantes</a:t>
             </a:r>
             <a:endParaRPr lang="fr-FR" dirty="0" smtClean="0">
               <a:solidFill>
@@ -15203,15 +15373,7 @@
                   <a:srgbClr val="E8750C"/>
                 </a:solidFill>
               </a:rPr>
-              <a:t> </a:t>
-            </a:r>
-            <a:r>
-              <a:rPr lang="fr-FR" sz="1400" dirty="0" smtClean="0">
-                <a:solidFill>
-                  <a:srgbClr val="E8750C"/>
-                </a:solidFill>
-              </a:rPr>
-              <a:t>+ 5 x Standard </a:t>
+              <a:t> + 5 x Standard </a:t>
             </a:r>
             <a:r>
               <a:rPr lang="fr-FR" sz="1400" dirty="0" err="1" smtClean="0">

--- a/Projet 2 - donnees nutritionnelles/Presentation-Projet_2.pptx
+++ b/Projet 2 - donnees nutritionnelles/Presentation-Projet_2.pptx
@@ -217,7 +217,7 @@
           <a:p>
             <a:fld id="{E66492E5-39EF-4EC5-9E99-7F0DBC26806B}" type="datetimeFigureOut">
               <a:rPr lang="fr-FR" smtClean="0"/>
-              <a:t>21/11/2017</a:t>
+              <a:t>22/11/2017</a:t>
             </a:fld>
             <a:endParaRPr lang="fr-FR"/>
           </a:p>
@@ -755,7 +755,7 @@
           <a:p>
             <a:fld id="{B66BE77B-30B8-4C0B-A11C-8A1E4096BC49}" type="datetime1">
               <a:rPr lang="fr-FR" smtClean="0"/>
-              <a:t>21/11/2017</a:t>
+              <a:t>22/11/2017</a:t>
             </a:fld>
             <a:endParaRPr lang="fr-FR"/>
           </a:p>
@@ -929,7 +929,7 @@
           <a:p>
             <a:fld id="{9EE0487D-F240-4B84-8850-10E84C352EB1}" type="datetime1">
               <a:rPr lang="fr-FR" smtClean="0"/>
-              <a:t>21/11/2017</a:t>
+              <a:t>22/11/2017</a:t>
             </a:fld>
             <a:endParaRPr lang="fr-FR"/>
           </a:p>
@@ -1113,7 +1113,7 @@
           <a:p>
             <a:fld id="{92C78105-F678-4D41-84BD-86790DCA2A8F}" type="datetime1">
               <a:rPr lang="fr-FR" smtClean="0"/>
-              <a:t>21/11/2017</a:t>
+              <a:t>22/11/2017</a:t>
             </a:fld>
             <a:endParaRPr lang="fr-FR"/>
           </a:p>
@@ -1287,7 +1287,7 @@
           <a:p>
             <a:fld id="{B501BE03-0A99-4D76-8C05-C0E1413A4EF5}" type="datetime1">
               <a:rPr lang="fr-FR" smtClean="0"/>
-              <a:t>21/11/2017</a:t>
+              <a:t>22/11/2017</a:t>
             </a:fld>
             <a:endParaRPr lang="fr-FR"/>
           </a:p>
@@ -1537,7 +1537,7 @@
           <a:p>
             <a:fld id="{8FE40357-2AFD-4EAE-B70B-7CDE6C5663FB}" type="datetime1">
               <a:rPr lang="fr-FR" smtClean="0"/>
-              <a:t>21/11/2017</a:t>
+              <a:t>22/11/2017</a:t>
             </a:fld>
             <a:endParaRPr lang="fr-FR"/>
           </a:p>
@@ -1829,7 +1829,7 @@
           <a:p>
             <a:fld id="{78A2C40E-2301-4537-ABFA-E322B590D81F}" type="datetime1">
               <a:rPr lang="fr-FR" smtClean="0"/>
-              <a:t>21/11/2017</a:t>
+              <a:t>22/11/2017</a:t>
             </a:fld>
             <a:endParaRPr lang="fr-FR"/>
           </a:p>
@@ -2255,7 +2255,7 @@
           <a:p>
             <a:fld id="{023BFA1E-86E9-4CDA-A594-4C5FE62ADAE9}" type="datetime1">
               <a:rPr lang="fr-FR" smtClean="0"/>
-              <a:t>21/11/2017</a:t>
+              <a:t>22/11/2017</a:t>
             </a:fld>
             <a:endParaRPr lang="fr-FR"/>
           </a:p>
@@ -2377,7 +2377,7 @@
           <a:p>
             <a:fld id="{60C58EF2-E86E-49A0-9CFD-35CA5B676A74}" type="datetime1">
               <a:rPr lang="fr-FR" smtClean="0"/>
-              <a:t>21/11/2017</a:t>
+              <a:t>22/11/2017</a:t>
             </a:fld>
             <a:endParaRPr lang="fr-FR"/>
           </a:p>
@@ -2476,7 +2476,7 @@
           <a:p>
             <a:fld id="{B0CD59FC-03C8-4D20-86C0-8F8036DE2236}" type="datetime1">
               <a:rPr lang="fr-FR" smtClean="0"/>
-              <a:t>21/11/2017</a:t>
+              <a:t>22/11/2017</a:t>
             </a:fld>
             <a:endParaRPr lang="fr-FR"/>
           </a:p>
@@ -2757,7 +2757,7 @@
           <a:p>
             <a:fld id="{765B8042-1A1F-4BD1-8AA2-1E9B1B113970}" type="datetime1">
               <a:rPr lang="fr-FR" smtClean="0"/>
-              <a:t>21/11/2017</a:t>
+              <a:t>22/11/2017</a:t>
             </a:fld>
             <a:endParaRPr lang="fr-FR"/>
           </a:p>
@@ -3014,7 +3014,7 @@
           <a:p>
             <a:fld id="{887E1619-D7F5-4159-BDF5-B310FC982CD5}" type="datetime1">
               <a:rPr lang="fr-FR" smtClean="0"/>
-              <a:t>21/11/2017</a:t>
+              <a:t>22/11/2017</a:t>
             </a:fld>
             <a:endParaRPr lang="fr-FR"/>
           </a:p>
@@ -3252,7 +3252,7 @@
           <a:p>
             <a:fld id="{AE4FF13B-C46A-41AA-B49F-F35F751C6D8E}" type="datetime1">
               <a:rPr lang="fr-FR" smtClean="0"/>
-              <a:t>21/11/2017</a:t>
+              <a:t>22/11/2017</a:t>
             </a:fld>
             <a:endParaRPr lang="fr-FR"/>
           </a:p>
@@ -3749,7 +3749,7 @@
                   <a:srgbClr val="95023C"/>
                 </a:solidFill>
               </a:rPr>
-              <a:t>21/11/2017</a:t>
+              <a:t>22/11/2017</a:t>
             </a:fld>
             <a:endParaRPr lang="fr-FR" dirty="0">
               <a:solidFill>
@@ -4043,7 +4043,7 @@
                   <a:srgbClr val="95023C"/>
                 </a:solidFill>
               </a:rPr>
-              <a:t>21/11/2017</a:t>
+              <a:t>22/11/2017</a:t>
             </a:fld>
             <a:endParaRPr lang="fr-FR" dirty="0">
               <a:solidFill>
@@ -4790,7 +4790,7 @@
                   <a:srgbClr val="95023C"/>
                 </a:solidFill>
               </a:rPr>
-              <a:t>21/11/2017</a:t>
+              <a:t>22/11/2017</a:t>
             </a:fld>
             <a:endParaRPr lang="fr-FR" dirty="0">
               <a:solidFill>
@@ -5477,7 +5477,7 @@
                   <a:srgbClr val="95023C"/>
                 </a:solidFill>
               </a:rPr>
-              <a:t>21/11/2017</a:t>
+              <a:t>22/11/2017</a:t>
             </a:fld>
             <a:endParaRPr lang="fr-FR" dirty="0">
               <a:solidFill>
@@ -5779,12 +5779,12 @@
               <a:t>Nettoyage des données </a:t>
             </a:r>
             <a:r>
-              <a:rPr lang="fr-FR" dirty="0" err="1" smtClean="0">
-                <a:solidFill>
-                  <a:srgbClr val="E8750C"/>
-                </a:solidFill>
-              </a:rPr>
-              <a:t>abérantes</a:t>
+              <a:rPr lang="fr-FR" dirty="0" smtClean="0">
+                <a:solidFill>
+                  <a:srgbClr val="E8750C"/>
+                </a:solidFill>
+              </a:rPr>
+              <a:t>aberrantes</a:t>
             </a:r>
             <a:endParaRPr lang="fr-FR" dirty="0" smtClean="0">
               <a:solidFill>
@@ -6201,15 +6201,15 @@
                   <a:srgbClr val="E8750C"/>
                 </a:solidFill>
               </a:rPr>
-              <a:t>Analyse de </a:t>
-            </a:r>
-            <a:r>
-              <a:rPr lang="fr-FR" sz="2000" dirty="0" err="1" smtClean="0">
-                <a:solidFill>
-                  <a:srgbClr val="E8750C"/>
-                </a:solidFill>
-              </a:rPr>
-              <a:t>Correlation</a:t>
+              <a:t>Analyse </a:t>
+            </a:r>
+            <a:r>
+              <a:rPr lang="fr-FR" sz="2000" dirty="0" smtClean="0">
+                <a:solidFill>
+                  <a:srgbClr val="E8750C"/>
+                </a:solidFill>
+              </a:rPr>
+              <a:t>des Corrélations</a:t>
             </a:r>
             <a:endParaRPr lang="fr-FR" sz="2000" dirty="0" smtClean="0">
               <a:solidFill>
@@ -6376,7 +6376,7 @@
                   <a:srgbClr val="95023C"/>
                 </a:solidFill>
               </a:rPr>
-              <a:t>21/11/2017</a:t>
+              <a:t>22/11/2017</a:t>
             </a:fld>
             <a:endParaRPr lang="fr-FR" dirty="0">
               <a:solidFill>
@@ -7045,7 +7045,7 @@
                   <a:srgbClr val="95023C"/>
                 </a:solidFill>
               </a:rPr>
-              <a:t>21/11/2017</a:t>
+              <a:t>22/11/2017</a:t>
             </a:fld>
             <a:endParaRPr lang="fr-FR" dirty="0">
               <a:solidFill>
@@ -7697,7 +7697,7 @@
                   <a:srgbClr val="95023C"/>
                 </a:solidFill>
               </a:rPr>
-              <a:t>21/11/2017</a:t>
+              <a:t>22/11/2017</a:t>
             </a:fld>
             <a:endParaRPr lang="fr-FR" dirty="0">
               <a:solidFill>
@@ -8521,7 +8521,7 @@
                   <a:srgbClr val="95023C"/>
                 </a:solidFill>
               </a:rPr>
-              <a:t>21/11/2017</a:t>
+              <a:t>22/11/2017</a:t>
             </a:fld>
             <a:endParaRPr lang="fr-FR" dirty="0">
               <a:solidFill>
@@ -9309,7 +9309,7 @@
                   <a:srgbClr val="95023C"/>
                 </a:solidFill>
               </a:rPr>
-              <a:t>21/11/2017</a:t>
+              <a:t>22/11/2017</a:t>
             </a:fld>
             <a:endParaRPr lang="fr-FR" dirty="0">
               <a:solidFill>
@@ -9961,7 +9961,7 @@
                   <a:srgbClr val="95023C"/>
                 </a:solidFill>
               </a:rPr>
-              <a:t>21/11/2017</a:t>
+              <a:t>22/11/2017</a:t>
             </a:fld>
             <a:endParaRPr lang="fr-FR" dirty="0">
               <a:solidFill>
@@ -10698,7 +10698,7 @@
                   <a:srgbClr val="95023C"/>
                 </a:solidFill>
               </a:rPr>
-              <a:t>21/11/2017</a:t>
+              <a:t>22/11/2017</a:t>
             </a:fld>
             <a:endParaRPr lang="fr-FR" dirty="0">
               <a:solidFill>
@@ -11707,7 +11707,7 @@
                   <a:srgbClr val="95023C"/>
                 </a:solidFill>
               </a:rPr>
-              <a:t>21/11/2017</a:t>
+              <a:t>22/11/2017</a:t>
             </a:fld>
             <a:endParaRPr lang="fr-FR" dirty="0">
               <a:solidFill>
@@ -11880,7 +11880,7 @@
                   <a:srgbClr val="95023C"/>
                 </a:solidFill>
               </a:rPr>
-              <a:t>21/11/2017</a:t>
+              <a:t>22/11/2017</a:t>
             </a:fld>
             <a:endParaRPr lang="fr-FR" dirty="0">
               <a:solidFill>
@@ -12583,7 +12583,7 @@
                   <a:srgbClr val="95023C"/>
                 </a:solidFill>
               </a:rPr>
-              <a:t>21/11/2017</a:t>
+              <a:t>22/11/2017</a:t>
             </a:fld>
             <a:endParaRPr lang="fr-FR" dirty="0">
               <a:solidFill>
@@ -13286,7 +13286,7 @@
                   <a:srgbClr val="95023C"/>
                 </a:solidFill>
               </a:rPr>
-              <a:t>21/11/2017</a:t>
+              <a:t>22/11/2017</a:t>
             </a:fld>
             <a:endParaRPr lang="fr-FR" dirty="0">
               <a:solidFill>
@@ -14040,21 +14040,18 @@
               <a:t>Energie lié à la graisse (privilégier </a:t>
             </a:r>
             <a:r>
-              <a:rPr lang="fr-FR" dirty="0" err="1" smtClean="0">
-                <a:solidFill>
-                  <a:srgbClr val="E8750C"/>
-                </a:solidFill>
-              </a:rPr>
-              <a:t>unstaurated</a:t>
-            </a:r>
-            <a:r>
-              <a:rPr lang="fr-FR" dirty="0" smtClean="0">
-                <a:solidFill>
-                  <a:srgbClr val="E8750C"/>
-                </a:solidFill>
-              </a:rPr>
-              <a:t> fats)</a:t>
-            </a:r>
+              <a:rPr lang="fr-FR" dirty="0" smtClean="0">
+                <a:solidFill>
+                  <a:srgbClr val="E8750C"/>
+                </a:solidFill>
+              </a:rPr>
+              <a:t>graisses non saturées)</a:t>
+            </a:r>
+            <a:endParaRPr lang="fr-FR" dirty="0" smtClean="0">
+              <a:solidFill>
+                <a:srgbClr val="E8750C"/>
+              </a:solidFill>
+            </a:endParaRPr>
           </a:p>
           <a:p>
             <a:pPr lvl="1"/>
@@ -14105,20 +14102,12 @@
               <a:t>Éviter sucres ajoutés, </a:t>
             </a:r>
             <a:r>
-              <a:rPr lang="fr-FR" dirty="0" err="1" smtClean="0">
-                <a:solidFill>
-                  <a:srgbClr val="E8750C"/>
-                </a:solidFill>
-              </a:rPr>
-              <a:t>gateaux</a:t>
-            </a:r>
-            <a:r>
-              <a:rPr lang="fr-FR" dirty="0">
-                <a:solidFill>
-                  <a:srgbClr val="E8750C"/>
-                </a:solidFill>
-              </a:rPr>
-              <a:t>, </a:t>
+              <a:rPr lang="fr-FR" dirty="0" smtClean="0">
+                <a:solidFill>
+                  <a:srgbClr val="E8750C"/>
+                </a:solidFill>
+              </a:rPr>
+              <a:t>gâteaux, </a:t>
             </a:r>
             <a:r>
               <a:rPr lang="fr-FR" dirty="0" smtClean="0">
@@ -14202,7 +14191,7 @@
                   <a:srgbClr val="95023C"/>
                 </a:solidFill>
               </a:rPr>
-              <a:t>21/11/2017</a:t>
+              <a:t>22/11/2017</a:t>
             </a:fld>
             <a:endParaRPr lang="fr-FR" dirty="0">
               <a:solidFill>
@@ -14881,20 +14870,20 @@
           <a:p>
             <a:pPr lvl="1"/>
             <a:r>
-              <a:rPr lang="fr-FR" sz="1600" dirty="0" err="1" smtClean="0">
-                <a:solidFill>
-                  <a:srgbClr val="E8750C"/>
-                </a:solidFill>
-              </a:rPr>
-              <a:t>Regression</a:t>
-            </a:r>
-            <a:r>
               <a:rPr lang="fr-FR" sz="1600" dirty="0" smtClean="0">
                 <a:solidFill>
                   <a:srgbClr val="E8750C"/>
                 </a:solidFill>
               </a:rPr>
-              <a:t> par proximité              </a:t>
+              <a:t>Régression </a:t>
+            </a:r>
+            <a:r>
+              <a:rPr lang="fr-FR" sz="1600" dirty="0" smtClean="0">
+                <a:solidFill>
+                  <a:srgbClr val="E8750C"/>
+                </a:solidFill>
+              </a:rPr>
+              <a:t>par proximité              </a:t>
             </a:r>
             <a:r>
               <a:rPr lang="fr-FR" sz="1200" dirty="0" smtClean="0">
@@ -14932,20 +14921,12 @@
               <a:t>Modèle non </a:t>
             </a:r>
             <a:r>
-              <a:rPr lang="fr-FR" sz="1600" dirty="0" err="1" smtClean="0">
-                <a:solidFill>
-                  <a:srgbClr val="E8750C"/>
-                </a:solidFill>
-              </a:rPr>
-              <a:t>lineaire</a:t>
-            </a:r>
-            <a:r>
               <a:rPr lang="fr-FR" sz="1600" dirty="0" smtClean="0">
                 <a:solidFill>
                   <a:srgbClr val="E8750C"/>
                 </a:solidFill>
               </a:rPr>
-              <a:t>                          </a:t>
+              <a:t>linéaire                          </a:t>
             </a:r>
             <a:r>
               <a:rPr lang="fr-FR" sz="1200" dirty="0" smtClean="0">
@@ -14953,7 +14934,15 @@
                   <a:srgbClr val="E8750C"/>
                 </a:solidFill>
               </a:rPr>
-              <a:t>     (</a:t>
+              <a:t>     </a:t>
+            </a:r>
+            <a:r>
+              <a:rPr lang="fr-FR" sz="1200" dirty="0" smtClean="0">
+                <a:solidFill>
+                  <a:srgbClr val="E8750C"/>
+                </a:solidFill>
+              </a:rPr>
+              <a:t>(</a:t>
             </a:r>
             <a:r>
               <a:rPr lang="fr-FR" sz="1200" dirty="0" err="1" smtClean="0">
@@ -15060,12 +15049,12 @@
           <a:p>
             <a:pPr lvl="1"/>
             <a:r>
-              <a:rPr lang="fr-FR" sz="1600" dirty="0" err="1">
-                <a:solidFill>
-                  <a:srgbClr val="E8750C"/>
-                </a:solidFill>
-              </a:rPr>
-              <a:t>Regression</a:t>
+              <a:rPr lang="fr-FR" sz="1600" dirty="0" smtClean="0">
+                <a:solidFill>
+                  <a:srgbClr val="E8750C"/>
+                </a:solidFill>
+              </a:rPr>
+              <a:t>Régression </a:t>
             </a:r>
             <a:r>
               <a:rPr lang="fr-FR" sz="1600" dirty="0">
@@ -15073,7 +15062,7 @@
                   <a:srgbClr val="E8750C"/>
                 </a:solidFill>
               </a:rPr>
-              <a:t> par </a:t>
+              <a:t>par </a:t>
             </a:r>
             <a:r>
               <a:rPr lang="fr-FR" sz="1600" dirty="0" smtClean="0">
@@ -15187,7 +15176,7 @@
                   <a:srgbClr val="95023C"/>
                 </a:solidFill>
               </a:rPr>
-              <a:t>21/11/2017</a:t>
+              <a:t>22/11/2017</a:t>
             </a:fld>
             <a:endParaRPr lang="fr-FR" dirty="0">
               <a:solidFill>
@@ -15781,12 +15770,12 @@
               <a:t>Produit </a:t>
             </a:r>
             <a:r>
-              <a:rPr lang="fr-FR" sz="2000" dirty="0" err="1" smtClean="0">
-                <a:solidFill>
-                  <a:srgbClr val="E8750C"/>
-                </a:solidFill>
-              </a:rPr>
-              <a:t>labelisés</a:t>
+              <a:rPr lang="fr-FR" sz="2000" dirty="0" smtClean="0">
+                <a:solidFill>
+                  <a:srgbClr val="E8750C"/>
+                </a:solidFill>
+              </a:rPr>
+              <a:t>labélisés</a:t>
             </a:r>
             <a:endParaRPr lang="fr-FR" sz="2000" dirty="0" smtClean="0">
               <a:solidFill>
@@ -15911,7 +15900,7 @@
                   <a:srgbClr val="95023C"/>
                 </a:solidFill>
               </a:rPr>
-              <a:t>21/11/2017</a:t>
+              <a:t>22/11/2017</a:t>
             </a:fld>
             <a:endParaRPr lang="fr-FR" dirty="0">
               <a:solidFill>
@@ -16022,7 +16011,7 @@
                   <a:srgbClr val="95023C"/>
                 </a:solidFill>
               </a:rPr>
-              <a:t>21/11/2017</a:t>
+              <a:t>22/11/2017</a:t>
             </a:fld>
             <a:endParaRPr lang="fr-FR" dirty="0">
               <a:solidFill>
@@ -16351,7 +16340,7 @@
                   <a:srgbClr val="95023C"/>
                 </a:solidFill>
               </a:rPr>
-              <a:t>21/11/2017</a:t>
+              <a:t>22/11/2017</a:t>
             </a:fld>
             <a:endParaRPr lang="fr-FR" dirty="0">
               <a:solidFill>
@@ -16615,7 +16604,7 @@
                   <a:srgbClr val="95023C"/>
                 </a:solidFill>
               </a:rPr>
-              <a:t>21/11/2017</a:t>
+              <a:t>22/11/2017</a:t>
             </a:fld>
             <a:endParaRPr lang="fr-FR" dirty="0">
               <a:solidFill>
@@ -17357,12 +17346,12 @@
               <a:t>Labels, Huile de Palme, Additifs, </a:t>
             </a:r>
             <a:r>
-              <a:rPr lang="fr-FR" sz="1600" dirty="0" err="1" smtClean="0">
-                <a:solidFill>
-                  <a:srgbClr val="E8750C"/>
-                </a:solidFill>
-              </a:rPr>
-              <a:t>Allergens</a:t>
+              <a:rPr lang="fr-FR" sz="1600" dirty="0" smtClean="0">
+                <a:solidFill>
+                  <a:srgbClr val="E8750C"/>
+                </a:solidFill>
+              </a:rPr>
+              <a:t>Allergènes</a:t>
             </a:r>
             <a:endParaRPr lang="fr-FR" sz="1600" dirty="0" smtClean="0">
               <a:solidFill>
@@ -17440,7 +17429,7 @@
                   <a:srgbClr val="95023C"/>
                 </a:solidFill>
               </a:rPr>
-              <a:t>21/11/2017</a:t>
+              <a:t>22/11/2017</a:t>
             </a:fld>
             <a:endParaRPr lang="fr-FR" dirty="0">
               <a:solidFill>
@@ -18332,28 +18321,28 @@
               <a:t>+/- </a:t>
             </a:r>
             <a:r>
-              <a:rPr lang="fr-FR" sz="1400" dirty="0" err="1" smtClean="0">
-                <a:solidFill>
-                  <a:srgbClr val="E8750C"/>
-                </a:solidFill>
-              </a:rPr>
-              <a:t>Mediane</a:t>
-            </a:r>
-            <a:r>
               <a:rPr lang="fr-FR" sz="1400" dirty="0" smtClean="0">
                 <a:solidFill>
                   <a:srgbClr val="E8750C"/>
                 </a:solidFill>
               </a:rPr>
-              <a:t> + 5 x Standard </a:t>
-            </a:r>
-            <a:r>
-              <a:rPr lang="fr-FR" sz="1400" dirty="0" err="1" smtClean="0">
-                <a:solidFill>
-                  <a:srgbClr val="E8750C"/>
-                </a:solidFill>
-              </a:rPr>
-              <a:t>Deviation</a:t>
+              <a:t>Médiane </a:t>
+            </a:r>
+            <a:r>
+              <a:rPr lang="fr-FR" sz="1400" dirty="0" smtClean="0">
+                <a:solidFill>
+                  <a:srgbClr val="E8750C"/>
+                </a:solidFill>
+              </a:rPr>
+              <a:t>+ 5 x Standard </a:t>
+            </a:r>
+            <a:r>
+              <a:rPr lang="fr-FR" sz="1400" dirty="0" smtClean="0">
+                <a:solidFill>
+                  <a:srgbClr val="E8750C"/>
+                </a:solidFill>
+              </a:rPr>
+              <a:t>Déviation</a:t>
             </a:r>
             <a:endParaRPr lang="fr-FR" sz="1400" dirty="0" smtClean="0">
               <a:solidFill>
@@ -18422,7 +18411,7 @@
                   <a:srgbClr val="95023C"/>
                 </a:solidFill>
               </a:rPr>
-              <a:t>21/11/2017</a:t>
+              <a:t>22/11/2017</a:t>
             </a:fld>
             <a:endParaRPr lang="fr-FR" dirty="0">
               <a:solidFill>
@@ -19146,12 +19135,12 @@
               <a:t>Stabilisation de la Standard </a:t>
             </a:r>
             <a:r>
-              <a:rPr lang="fr-FR" sz="1400" dirty="0" err="1" smtClean="0">
-                <a:solidFill>
-                  <a:srgbClr val="E8750C"/>
-                </a:solidFill>
-              </a:rPr>
-              <a:t>Deviation</a:t>
+              <a:rPr lang="fr-FR" sz="1400" dirty="0" smtClean="0">
+                <a:solidFill>
+                  <a:srgbClr val="E8750C"/>
+                </a:solidFill>
+              </a:rPr>
+              <a:t>Déviation</a:t>
             </a:r>
             <a:endParaRPr lang="fr-FR" sz="1400" dirty="0" smtClean="0">
               <a:solidFill>
@@ -19193,7 +19182,23 @@
                   <a:srgbClr val="E8750C"/>
                 </a:solidFill>
               </a:rPr>
-              <a:t>Nb d’itération ?</a:t>
+              <a:t>Nb </a:t>
+            </a:r>
+            <a:r>
+              <a:rPr lang="fr-FR" sz="1400" dirty="0" smtClean="0">
+                <a:solidFill>
+                  <a:srgbClr val="E8750C"/>
+                </a:solidFill>
+              </a:rPr>
+              <a:t>d’itérations </a:t>
+            </a:r>
+            <a:r>
+              <a:rPr lang="fr-FR" sz="1400" dirty="0" smtClean="0">
+                <a:solidFill>
+                  <a:srgbClr val="E8750C"/>
+                </a:solidFill>
+              </a:rPr>
+              <a:t>?</a:t>
             </a:r>
           </a:p>
           <a:p>
@@ -19227,7 +19232,7 @@
                   <a:srgbClr val="95023C"/>
                 </a:solidFill>
               </a:rPr>
-              <a:t>21/11/2017</a:t>
+              <a:t>22/11/2017</a:t>
             </a:fld>
             <a:endParaRPr lang="fr-FR" dirty="0">
               <a:solidFill>
@@ -19884,7 +19889,7 @@
                   <a:srgbClr val="95023C"/>
                 </a:solidFill>
               </a:rPr>
-              <a:t>21/11/2017</a:t>
+              <a:t>22/11/2017</a:t>
             </a:fld>
             <a:endParaRPr lang="fr-FR" dirty="0">
               <a:solidFill>
@@ -20544,7 +20549,7 @@
                   <a:srgbClr val="95023C"/>
                 </a:solidFill>
               </a:rPr>
-              <a:t>21/11/2017</a:t>
+              <a:t>22/11/2017</a:t>
             </a:fld>
             <a:endParaRPr lang="fr-FR" dirty="0">
               <a:solidFill>
